--- a/assets/slide_apresentação/Apresentação Slides - Bora Comer.pptx
+++ b/assets/slide_apresentação/Apresentação Slides - Bora Comer.pptx
@@ -10,8 +10,6 @@
     <p:sldId id="258" r:id="rId4"/>
     <p:sldId id="259" r:id="rId5"/>
     <p:sldId id="260" r:id="rId6"/>
-    <p:sldId id="261" r:id="rId7"/>
-    <p:sldId id="262" r:id="rId8"/>
   </p:sldIdLst>
   <p:sldSz cx="12192000" cy="6858000"/>
   <p:notesSz cx="6858000" cy="9144000"/>
@@ -5231,7 +5229,7 @@
           <p:cNvPr id="5" name="Imagem 4">
             <a:extLst>
               <a:ext uri="{FF2B5EF4-FFF2-40B4-BE49-F238E27FC236}">
-                <a16:creationId xmlns:a16="http://schemas.microsoft.com/office/drawing/2014/main" id="{F93384F6-29B4-42C7-B03F-868449AFEB2F}"/>
+                <a16:creationId xmlns:a16="http://schemas.microsoft.com/office/drawing/2014/main" id="{C6F8700D-E99F-47A7-B42E-5E5DF76A0F20}"/>
               </a:ext>
             </a:extLst>
           </p:cNvPr>
@@ -5264,35 +5262,36 @@
       </p:pic>
       <p:sp>
         <p:nvSpPr>
-          <p:cNvPr id="2" name="Título 1">
-            <a:extLst>
-              <a:ext uri="{FF2B5EF4-FFF2-40B4-BE49-F238E27FC236}">
-                <a16:creationId xmlns:a16="http://schemas.microsoft.com/office/drawing/2014/main" id="{5FAB9137-2FAA-474B-A604-48D8203C8499}"/>
-              </a:ext>
-            </a:extLst>
-          </p:cNvPr>
-          <p:cNvSpPr>
-            <a:spLocks noGrp="1"/>
-          </p:cNvSpPr>
-          <p:nvPr>
-            <p:ph type="ctrTitle"/>
+          <p:cNvPr id="3" name="Espaço Reservado para Conteúdo 2">
+            <a:extLst>
+              <a:ext uri="{FF2B5EF4-FFF2-40B4-BE49-F238E27FC236}">
+                <a16:creationId xmlns:a16="http://schemas.microsoft.com/office/drawing/2014/main" id="{5C955888-C598-4F54-8990-F556BB39DA34}"/>
+              </a:ext>
+            </a:extLst>
+          </p:cNvPr>
+          <p:cNvSpPr>
+            <a:spLocks noGrp="1"/>
+          </p:cNvSpPr>
+          <p:nvPr>
+            <p:ph idx="1"/>
           </p:nvPr>
         </p:nvSpPr>
         <p:spPr>
           <a:xfrm>
-            <a:off x="6871316" y="261816"/>
-            <a:ext cx="4758431" cy="1655762"/>
+            <a:off x="838200" y="1825625"/>
+            <a:ext cx="10515600" cy="1086251"/>
           </a:xfrm>
         </p:spPr>
         <p:txBody>
-          <a:bodyPr>
-            <a:normAutofit fontScale="90000"/>
-          </a:bodyPr>
+          <a:bodyPr/>
           <a:lstStyle/>
           <a:p>
+            <a:pPr marL="0" indent="0" algn="ctr">
+              <a:buNone/>
+            </a:pPr>
             <a:r>
               <a:rPr lang="pt-BR" dirty="0"/>
-              <a:t>Funcionalidades do Site</a:t>
+              <a:t>A ideia do site Bora Comer veio de um consenso geral do grupo: a de que todos amam um bom site culinário.</a:t>
             </a:r>
           </a:p>
         </p:txBody>
@@ -5302,7 +5301,7 @@
           <p:cNvPr id="6" name="Espaço Reservado para Conteúdo 2">
             <a:extLst>
               <a:ext uri="{FF2B5EF4-FFF2-40B4-BE49-F238E27FC236}">
-                <a16:creationId xmlns:a16="http://schemas.microsoft.com/office/drawing/2014/main" id="{62E0BB8F-68D2-4D4A-B5BC-35DDC9A941D0}"/>
+                <a16:creationId xmlns:a16="http://schemas.microsoft.com/office/drawing/2014/main" id="{C52CCC99-55A7-4F98-8AAC-92731CFB2BAA}"/>
               </a:ext>
             </a:extLst>
           </p:cNvPr>
@@ -5313,8 +5312,8 @@
         </p:nvSpPr>
         <p:spPr>
           <a:xfrm>
-            <a:off x="417250" y="1247775"/>
-            <a:ext cx="4903435" cy="5321701"/>
+            <a:off x="838200" y="3524436"/>
+            <a:ext cx="10515600" cy="1360502"/>
           </a:xfrm>
           <a:prstGeom prst="rect">
             <a:avLst/>
@@ -5322,10 +5321,10 @@
         </p:spPr>
         <p:txBody>
           <a:bodyPr vert="horz" lIns="91440" tIns="45720" rIns="91440" bIns="45720" rtlCol="0">
-            <a:normAutofit fontScale="92500"/>
+            <a:normAutofit fontScale="92500" lnSpcReduction="20000"/>
           </a:bodyPr>
           <a:lstStyle>
-            <a:lvl1pPr marL="0" indent="0" algn="ctr" defTabSz="914400" rtl="0" eaLnBrk="1" latinLnBrk="0" hangingPunct="1">
+            <a:lvl1pPr marL="228600" indent="-228600" algn="l" defTabSz="914400" rtl="0" eaLnBrk="1" latinLnBrk="0" hangingPunct="1">
               <a:lnSpc>
                 <a:spcPct val="90000"/>
               </a:lnSpc>
@@ -5333,7 +5332,25 @@
                 <a:spcPts val="1000"/>
               </a:spcBef>
               <a:buFont typeface="Arial" panose="020B0604020202020204" pitchFamily="34" charset="0"/>
-              <a:buNone/>
+              <a:buChar char="•"/>
+              <a:defRPr sz="2800" kern="1200">
+                <a:solidFill>
+                  <a:schemeClr val="tx1"/>
+                </a:solidFill>
+                <a:latin typeface="+mn-lt"/>
+                <a:ea typeface="+mn-ea"/>
+                <a:cs typeface="+mn-cs"/>
+              </a:defRPr>
+            </a:lvl1pPr>
+            <a:lvl2pPr marL="685800" indent="-228600" algn="l" defTabSz="914400" rtl="0" eaLnBrk="1" latinLnBrk="0" hangingPunct="1">
+              <a:lnSpc>
+                <a:spcPct val="90000"/>
+              </a:lnSpc>
+              <a:spcBef>
+                <a:spcPts val="500"/>
+              </a:spcBef>
+              <a:buFont typeface="Arial" panose="020B0604020202020204" pitchFamily="34" charset="0"/>
+              <a:buChar char="•"/>
               <a:defRPr sz="2400" kern="1200">
                 <a:solidFill>
                   <a:schemeClr val="tx1"/>
@@ -5342,8 +5359,8 @@
                 <a:ea typeface="+mn-ea"/>
                 <a:cs typeface="+mn-cs"/>
               </a:defRPr>
-            </a:lvl1pPr>
-            <a:lvl2pPr marL="457200" indent="0" algn="ctr" defTabSz="914400" rtl="0" eaLnBrk="1" latinLnBrk="0" hangingPunct="1">
+            </a:lvl2pPr>
+            <a:lvl3pPr marL="1143000" indent="-228600" algn="l" defTabSz="914400" rtl="0" eaLnBrk="1" latinLnBrk="0" hangingPunct="1">
               <a:lnSpc>
                 <a:spcPct val="90000"/>
               </a:lnSpc>
@@ -5351,7 +5368,7 @@
                 <a:spcPts val="500"/>
               </a:spcBef>
               <a:buFont typeface="Arial" panose="020B0604020202020204" pitchFamily="34" charset="0"/>
-              <a:buNone/>
+              <a:buChar char="•"/>
               <a:defRPr sz="2000" kern="1200">
                 <a:solidFill>
                   <a:schemeClr val="tx1"/>
@@ -5360,8 +5377,8 @@
                 <a:ea typeface="+mn-ea"/>
                 <a:cs typeface="+mn-cs"/>
               </a:defRPr>
-            </a:lvl2pPr>
-            <a:lvl3pPr marL="914400" indent="0" algn="ctr" defTabSz="914400" rtl="0" eaLnBrk="1" latinLnBrk="0" hangingPunct="1">
+            </a:lvl3pPr>
+            <a:lvl4pPr marL="1600200" indent="-228600" algn="l" defTabSz="914400" rtl="0" eaLnBrk="1" latinLnBrk="0" hangingPunct="1">
               <a:lnSpc>
                 <a:spcPct val="90000"/>
               </a:lnSpc>
@@ -5369,7 +5386,7 @@
                 <a:spcPts val="500"/>
               </a:spcBef>
               <a:buFont typeface="Arial" panose="020B0604020202020204" pitchFamily="34" charset="0"/>
-              <a:buNone/>
+              <a:buChar char="•"/>
               <a:defRPr sz="1800" kern="1200">
                 <a:solidFill>
                   <a:schemeClr val="tx1"/>
@@ -5378,8 +5395,8 @@
                 <a:ea typeface="+mn-ea"/>
                 <a:cs typeface="+mn-cs"/>
               </a:defRPr>
-            </a:lvl3pPr>
-            <a:lvl4pPr marL="1371600" indent="0" algn="ctr" defTabSz="914400" rtl="0" eaLnBrk="1" latinLnBrk="0" hangingPunct="1">
+            </a:lvl4pPr>
+            <a:lvl5pPr marL="2057400" indent="-228600" algn="l" defTabSz="914400" rtl="0" eaLnBrk="1" latinLnBrk="0" hangingPunct="1">
               <a:lnSpc>
                 <a:spcPct val="90000"/>
               </a:lnSpc>
@@ -5387,17 +5404,17 @@
                 <a:spcPts val="500"/>
               </a:spcBef>
               <a:buFont typeface="Arial" panose="020B0604020202020204" pitchFamily="34" charset="0"/>
-              <a:buNone/>
-              <a:defRPr sz="1600" kern="1200">
-                <a:solidFill>
-                  <a:schemeClr val="tx1"/>
-                </a:solidFill>
-                <a:latin typeface="+mn-lt"/>
-                <a:ea typeface="+mn-ea"/>
-                <a:cs typeface="+mn-cs"/>
-              </a:defRPr>
-            </a:lvl4pPr>
-            <a:lvl5pPr marL="1828800" indent="0" algn="ctr" defTabSz="914400" rtl="0" eaLnBrk="1" latinLnBrk="0" hangingPunct="1">
+              <a:buChar char="•"/>
+              <a:defRPr sz="1800" kern="1200">
+                <a:solidFill>
+                  <a:schemeClr val="tx1"/>
+                </a:solidFill>
+                <a:latin typeface="+mn-lt"/>
+                <a:ea typeface="+mn-ea"/>
+                <a:cs typeface="+mn-cs"/>
+              </a:defRPr>
+            </a:lvl5pPr>
+            <a:lvl6pPr marL="2514600" indent="-228600" algn="l" defTabSz="914400" rtl="0" eaLnBrk="1" latinLnBrk="0" hangingPunct="1">
               <a:lnSpc>
                 <a:spcPct val="90000"/>
               </a:lnSpc>
@@ -5405,17 +5422,17 @@
                 <a:spcPts val="500"/>
               </a:spcBef>
               <a:buFont typeface="Arial" panose="020B0604020202020204" pitchFamily="34" charset="0"/>
-              <a:buNone/>
-              <a:defRPr sz="1600" kern="1200">
-                <a:solidFill>
-                  <a:schemeClr val="tx1"/>
-                </a:solidFill>
-                <a:latin typeface="+mn-lt"/>
-                <a:ea typeface="+mn-ea"/>
-                <a:cs typeface="+mn-cs"/>
-              </a:defRPr>
-            </a:lvl5pPr>
-            <a:lvl6pPr marL="2286000" indent="0" algn="ctr" defTabSz="914400" rtl="0" eaLnBrk="1" latinLnBrk="0" hangingPunct="1">
+              <a:buChar char="•"/>
+              <a:defRPr sz="1800" kern="1200">
+                <a:solidFill>
+                  <a:schemeClr val="tx1"/>
+                </a:solidFill>
+                <a:latin typeface="+mn-lt"/>
+                <a:ea typeface="+mn-ea"/>
+                <a:cs typeface="+mn-cs"/>
+              </a:defRPr>
+            </a:lvl6pPr>
+            <a:lvl7pPr marL="2971800" indent="-228600" algn="l" defTabSz="914400" rtl="0" eaLnBrk="1" latinLnBrk="0" hangingPunct="1">
               <a:lnSpc>
                 <a:spcPct val="90000"/>
               </a:lnSpc>
@@ -5423,17 +5440,17 @@
                 <a:spcPts val="500"/>
               </a:spcBef>
               <a:buFont typeface="Arial" panose="020B0604020202020204" pitchFamily="34" charset="0"/>
-              <a:buNone/>
-              <a:defRPr sz="1600" kern="1200">
-                <a:solidFill>
-                  <a:schemeClr val="tx1"/>
-                </a:solidFill>
-                <a:latin typeface="+mn-lt"/>
-                <a:ea typeface="+mn-ea"/>
-                <a:cs typeface="+mn-cs"/>
-              </a:defRPr>
-            </a:lvl6pPr>
-            <a:lvl7pPr marL="2743200" indent="0" algn="ctr" defTabSz="914400" rtl="0" eaLnBrk="1" latinLnBrk="0" hangingPunct="1">
+              <a:buChar char="•"/>
+              <a:defRPr sz="1800" kern="1200">
+                <a:solidFill>
+                  <a:schemeClr val="tx1"/>
+                </a:solidFill>
+                <a:latin typeface="+mn-lt"/>
+                <a:ea typeface="+mn-ea"/>
+                <a:cs typeface="+mn-cs"/>
+              </a:defRPr>
+            </a:lvl7pPr>
+            <a:lvl8pPr marL="3429000" indent="-228600" algn="l" defTabSz="914400" rtl="0" eaLnBrk="1" latinLnBrk="0" hangingPunct="1">
               <a:lnSpc>
                 <a:spcPct val="90000"/>
               </a:lnSpc>
@@ -5441,17 +5458,17 @@
                 <a:spcPts val="500"/>
               </a:spcBef>
               <a:buFont typeface="Arial" panose="020B0604020202020204" pitchFamily="34" charset="0"/>
-              <a:buNone/>
-              <a:defRPr sz="1600" kern="1200">
-                <a:solidFill>
-                  <a:schemeClr val="tx1"/>
-                </a:solidFill>
-                <a:latin typeface="+mn-lt"/>
-                <a:ea typeface="+mn-ea"/>
-                <a:cs typeface="+mn-cs"/>
-              </a:defRPr>
-            </a:lvl7pPr>
-            <a:lvl8pPr marL="3200400" indent="0" algn="ctr" defTabSz="914400" rtl="0" eaLnBrk="1" latinLnBrk="0" hangingPunct="1">
+              <a:buChar char="•"/>
+              <a:defRPr sz="1800" kern="1200">
+                <a:solidFill>
+                  <a:schemeClr val="tx1"/>
+                </a:solidFill>
+                <a:latin typeface="+mn-lt"/>
+                <a:ea typeface="+mn-ea"/>
+                <a:cs typeface="+mn-cs"/>
+              </a:defRPr>
+            </a:lvl8pPr>
+            <a:lvl9pPr marL="3886200" indent="-228600" algn="l" defTabSz="914400" rtl="0" eaLnBrk="1" latinLnBrk="0" hangingPunct="1">
               <a:lnSpc>
                 <a:spcPct val="90000"/>
               </a:lnSpc>
@@ -5459,26 +5476,8 @@
                 <a:spcPts val="500"/>
               </a:spcBef>
               <a:buFont typeface="Arial" panose="020B0604020202020204" pitchFamily="34" charset="0"/>
-              <a:buNone/>
-              <a:defRPr sz="1600" kern="1200">
-                <a:solidFill>
-                  <a:schemeClr val="tx1"/>
-                </a:solidFill>
-                <a:latin typeface="+mn-lt"/>
-                <a:ea typeface="+mn-ea"/>
-                <a:cs typeface="+mn-cs"/>
-              </a:defRPr>
-            </a:lvl8pPr>
-            <a:lvl9pPr marL="3657600" indent="0" algn="ctr" defTabSz="914400" rtl="0" eaLnBrk="1" latinLnBrk="0" hangingPunct="1">
-              <a:lnSpc>
-                <a:spcPct val="90000"/>
-              </a:lnSpc>
-              <a:spcBef>
-                <a:spcPts val="500"/>
-              </a:spcBef>
-              <a:buFont typeface="Arial" panose="020B0604020202020204" pitchFamily="34" charset="0"/>
-              <a:buNone/>
-              <a:defRPr sz="1600" kern="1200">
+              <a:buChar char="•"/>
+              <a:defRPr sz="1800" kern="1200">
                 <a:solidFill>
                   <a:schemeClr val="tx1"/>
                 </a:solidFill>
@@ -5489,607 +5488,53 @@
             </a:lvl9pPr>
           </a:lstStyle>
           <a:p>
+            <a:pPr marL="0" indent="0" algn="ctr">
+              <a:buNone/>
+            </a:pPr>
             <a:r>
               <a:rPr lang="pt-BR" dirty="0"/>
-              <a:t>Nosso site foi implementado utilizando o HTML, CSS e a linguagem </a:t>
+              <a:t>Pensando nisso, resolvemos implementar um site com dupla funcionalidade, onde o usuário pode utilizar nosso “</a:t>
             </a:r>
             <a:r>
               <a:rPr lang="pt-BR" dirty="0" err="1"/>
-              <a:t>JavaScript</a:t>
+              <a:t>Foodvisor</a:t>
             </a:r>
             <a:r>
               <a:rPr lang="pt-BR" dirty="0"/>
-              <a:t>.</a:t>
-            </a:r>
-          </a:p>
-          <a:p>
-            <a:endParaRPr lang="pt-BR" dirty="0"/>
-          </a:p>
-          <a:p>
-            <a:r>
-              <a:rPr lang="pt-BR" dirty="0"/>
-              <a:t>A página inicial conta com um </a:t>
-            </a:r>
-            <a:r>
-              <a:rPr lang="pt-BR" dirty="0" err="1"/>
-              <a:t>Slider</a:t>
-            </a:r>
-            <a:r>
-              <a:rPr lang="pt-BR" dirty="0"/>
-              <a:t> que direciona para a página de receitas, e também podemos acessa-la através do link “Receitas” no Header da página.</a:t>
-            </a:r>
-          </a:p>
-          <a:p>
-            <a:endParaRPr lang="pt-BR" dirty="0"/>
-          </a:p>
-          <a:p>
-            <a:r>
-              <a:rPr lang="pt-BR" dirty="0"/>
-              <a:t>Também é possível acessar a página dos Restaurantes clicando em “Locais”.</a:t>
-            </a:r>
-          </a:p>
-          <a:p>
-            <a:endParaRPr lang="pt-BR" dirty="0"/>
-          </a:p>
-          <a:p>
-            <a:r>
-              <a:rPr lang="pt-BR" dirty="0"/>
-              <a:t>Clicando em qualquer foto de Receitas, ou Restaurantes, ele te leva diretamente para a página daquele item.</a:t>
-            </a:r>
-          </a:p>
-        </p:txBody>
-      </p:sp>
-      <p:pic>
-        <p:nvPicPr>
-          <p:cNvPr id="7" name="Imagem 6">
-            <a:extLst>
-              <a:ext uri="{FF2B5EF4-FFF2-40B4-BE49-F238E27FC236}">
-                <a16:creationId xmlns:a16="http://schemas.microsoft.com/office/drawing/2014/main" id="{E6CD7CF6-C2F5-4B83-BE54-00EABE98436A}"/>
-              </a:ext>
-            </a:extLst>
-          </p:cNvPr>
-          <p:cNvPicPr>
-            <a:picLocks noChangeAspect="1"/>
-          </p:cNvPicPr>
+              <a:t>” para encontrar os melhores restaurantes da região, ou ainda, se preferir pode pesquisar uma receitinha para fazer no conforto de casa.</a:t>
+            </a:r>
+          </a:p>
+        </p:txBody>
+      </p:sp>
+      <p:sp>
+        <p:nvSpPr>
+          <p:cNvPr id="7" name="Título 1">
+            <a:extLst>
+              <a:ext uri="{FF2B5EF4-FFF2-40B4-BE49-F238E27FC236}">
+                <a16:creationId xmlns:a16="http://schemas.microsoft.com/office/drawing/2014/main" id="{C09A4D3A-2A01-44D2-A750-99AE92B112E5}"/>
+              </a:ext>
+            </a:extLst>
+          </p:cNvPr>
+          <p:cNvSpPr txBox="1">
+            <a:spLocks/>
+          </p:cNvSpPr>
           <p:nvPr/>
-        </p:nvPicPr>
-        <p:blipFill>
-          <a:blip r:embed="rId3"/>
-          <a:stretch>
-            <a:fillRect/>
-          </a:stretch>
-        </p:blipFill>
+        </p:nvSpPr>
         <p:spPr>
           <a:xfrm>
-            <a:off x="6726312" y="2369894"/>
-            <a:ext cx="4903435" cy="3106918"/>
-          </a:xfrm>
-          <a:prstGeom prst="roundRect">
-            <a:avLst>
-              <a:gd name="adj" fmla="val 4167"/>
-            </a:avLst>
-          </a:prstGeom>
-          <a:solidFill>
-            <a:srgbClr val="FFFFFF"/>
-          </a:solidFill>
-          <a:ln w="76200" cap="sq">
-            <a:solidFill>
-              <a:srgbClr val="EAEAEA"/>
-            </a:solidFill>
-            <a:miter lim="800000"/>
-          </a:ln>
-          <a:effectLst>
-            <a:reflection blurRad="12700" stA="33000" endPos="28000" dist="5000" dir="5400000" sy="-100000" algn="bl" rotWithShape="0"/>
-          </a:effectLst>
-          <a:scene3d>
-            <a:camera prst="orthographicFront"/>
-            <a:lightRig rig="threePt" dir="t">
-              <a:rot lat="0" lon="0" rev="2700000"/>
-            </a:lightRig>
-          </a:scene3d>
-          <a:sp3d contourW="6350">
-            <a:bevelT h="38100"/>
-            <a:contourClr>
-              <a:srgbClr val="C0C0C0"/>
-            </a:contourClr>
-          </a:sp3d>
-        </p:spPr>
-      </p:pic>
-      <p:sp>
-        <p:nvSpPr>
-          <p:cNvPr id="8" name="CaixaDeTexto 7">
-            <a:extLst>
-              <a:ext uri="{FF2B5EF4-FFF2-40B4-BE49-F238E27FC236}">
-                <a16:creationId xmlns:a16="http://schemas.microsoft.com/office/drawing/2014/main" id="{0F5762D7-8A84-46C5-AFD6-FEB787004BEE}"/>
-              </a:ext>
-            </a:extLst>
-          </p:cNvPr>
-          <p:cNvSpPr txBox="1"/>
-          <p:nvPr/>
-        </p:nvSpPr>
-        <p:spPr>
-          <a:xfrm>
-            <a:off x="8549121" y="5560836"/>
-            <a:ext cx="1402820" cy="369332"/>
-          </a:xfrm>
-          <a:prstGeom prst="rect">
-            <a:avLst/>
-          </a:prstGeom>
-          <a:noFill/>
-        </p:spPr>
-        <p:txBody>
-          <a:bodyPr wrap="none" rtlCol="0">
-            <a:spAutoFit/>
-          </a:bodyPr>
-          <a:lstStyle/>
-          <a:p>
-            <a:r>
-              <a:rPr lang="pt-BR" dirty="0"/>
-              <a:t>Página Inicial</a:t>
-            </a:r>
-          </a:p>
-        </p:txBody>
-      </p:sp>
-    </p:spTree>
-    <p:extLst>
-      <p:ext uri="{BB962C8B-B14F-4D97-AF65-F5344CB8AC3E}">
-        <p14:creationId xmlns:p14="http://schemas.microsoft.com/office/powerpoint/2010/main" val="287704864"/>
-      </p:ext>
-    </p:extLst>
-  </p:cSld>
-  <p:clrMapOvr>
-    <a:masterClrMapping/>
-  </p:clrMapOvr>
-</p:sld>
-</file>
-
-<file path=ppt/slides/slide6.xml><?xml version="1.0" encoding="utf-8"?>
-<p:sld xmlns:a="http://schemas.openxmlformats.org/drawingml/2006/main" xmlns:r="http://schemas.openxmlformats.org/officeDocument/2006/relationships" xmlns:p="http://schemas.openxmlformats.org/presentationml/2006/main">
-  <p:cSld>
-    <p:spTree>
-      <p:nvGrpSpPr>
-        <p:cNvPr id="1" name=""/>
-        <p:cNvGrpSpPr/>
-        <p:nvPr/>
-      </p:nvGrpSpPr>
-      <p:grpSpPr>
-        <a:xfrm>
-          <a:off x="0" y="0"/>
-          <a:ext cx="0" cy="0"/>
-          <a:chOff x="0" y="0"/>
-          <a:chExt cx="0" cy="0"/>
-        </a:xfrm>
-      </p:grpSpPr>
-      <p:pic>
-        <p:nvPicPr>
-          <p:cNvPr id="5" name="Imagem 4">
-            <a:extLst>
-              <a:ext uri="{FF2B5EF4-FFF2-40B4-BE49-F238E27FC236}">
-                <a16:creationId xmlns:a16="http://schemas.microsoft.com/office/drawing/2014/main" id="{F93384F6-29B4-42C7-B03F-868449AFEB2F}"/>
-              </a:ext>
-            </a:extLst>
-          </p:cNvPr>
-          <p:cNvPicPr>
-            <a:picLocks noChangeAspect="1"/>
-          </p:cNvPicPr>
-          <p:nvPr/>
-        </p:nvPicPr>
-        <p:blipFill>
-          <a:blip r:embed="rId2">
-            <a:extLst>
-              <a:ext uri="{28A0092B-C50C-407E-A947-70E740481C1C}">
-                <a14:useLocalDpi xmlns:a14="http://schemas.microsoft.com/office/drawing/2010/main" val="0"/>
-              </a:ext>
-            </a:extLst>
-          </a:blip>
-          <a:stretch>
-            <a:fillRect/>
-          </a:stretch>
-        </p:blipFill>
-        <p:spPr>
-          <a:xfrm>
-            <a:off x="0" y="0"/>
-            <a:ext cx="12192000" cy="6858000"/>
+            <a:off x="7284321" y="351699"/>
+            <a:ext cx="3795011" cy="861366"/>
           </a:xfrm>
           <a:prstGeom prst="rect">
             <a:avLst/>
           </a:prstGeom>
         </p:spPr>
-      </p:pic>
-      <p:sp>
-        <p:nvSpPr>
-          <p:cNvPr id="2" name="Título 1">
-            <a:extLst>
-              <a:ext uri="{FF2B5EF4-FFF2-40B4-BE49-F238E27FC236}">
-                <a16:creationId xmlns:a16="http://schemas.microsoft.com/office/drawing/2014/main" id="{5FAB9137-2FAA-474B-A604-48D8203C8499}"/>
-              </a:ext>
-            </a:extLst>
-          </p:cNvPr>
-          <p:cNvSpPr>
-            <a:spLocks noGrp="1"/>
-          </p:cNvSpPr>
-          <p:nvPr>
-            <p:ph type="ctrTitle"/>
-          </p:nvPr>
-        </p:nvSpPr>
-        <p:spPr>
-          <a:xfrm>
-            <a:off x="6871316" y="261816"/>
-            <a:ext cx="4758431" cy="1655762"/>
-          </a:xfrm>
-        </p:spPr>
-        <p:txBody>
-          <a:bodyPr>
-            <a:normAutofit fontScale="90000"/>
-          </a:bodyPr>
-          <a:lstStyle/>
-          <a:p>
-            <a:r>
-              <a:rPr lang="pt-BR" dirty="0"/>
-              <a:t>Funcionalidades do Site</a:t>
-            </a:r>
-          </a:p>
-        </p:txBody>
-      </p:sp>
-      <p:sp>
-        <p:nvSpPr>
-          <p:cNvPr id="6" name="Espaço Reservado para Conteúdo 2">
-            <a:extLst>
-              <a:ext uri="{FF2B5EF4-FFF2-40B4-BE49-F238E27FC236}">
-                <a16:creationId xmlns:a16="http://schemas.microsoft.com/office/drawing/2014/main" id="{62E0BB8F-68D2-4D4A-B5BC-35DDC9A941D0}"/>
-              </a:ext>
-            </a:extLst>
-          </p:cNvPr>
-          <p:cNvSpPr txBox="1">
-            <a:spLocks/>
-          </p:cNvSpPr>
-          <p:nvPr/>
-        </p:nvSpPr>
-        <p:spPr>
-          <a:xfrm>
-            <a:off x="417250" y="1917579"/>
-            <a:ext cx="4903435" cy="4651898"/>
-          </a:xfrm>
-          <a:prstGeom prst="rect">
-            <a:avLst/>
-          </a:prstGeom>
-        </p:spPr>
-        <p:txBody>
-          <a:bodyPr vert="horz" lIns="91440" tIns="45720" rIns="91440" bIns="45720" rtlCol="0">
-            <a:normAutofit/>
+        <p:txBody>
+          <a:bodyPr vert="horz" lIns="91440" tIns="45720" rIns="91440" bIns="45720" rtlCol="0" anchor="ctr">
+            <a:normAutofit fontScale="97500"/>
           </a:bodyPr>
           <a:lstStyle>
-            <a:lvl1pPr marL="0" indent="0" algn="ctr" defTabSz="914400" rtl="0" eaLnBrk="1" latinLnBrk="0" hangingPunct="1">
-              <a:lnSpc>
-                <a:spcPct val="90000"/>
-              </a:lnSpc>
-              <a:spcBef>
-                <a:spcPts val="1000"/>
-              </a:spcBef>
-              <a:buFont typeface="Arial" panose="020B0604020202020204" pitchFamily="34" charset="0"/>
-              <a:buNone/>
-              <a:defRPr sz="2400" kern="1200">
-                <a:solidFill>
-                  <a:schemeClr val="tx1"/>
-                </a:solidFill>
-                <a:latin typeface="+mn-lt"/>
-                <a:ea typeface="+mn-ea"/>
-                <a:cs typeface="+mn-cs"/>
-              </a:defRPr>
-            </a:lvl1pPr>
-            <a:lvl2pPr marL="457200" indent="0" algn="ctr" defTabSz="914400" rtl="0" eaLnBrk="1" latinLnBrk="0" hangingPunct="1">
-              <a:lnSpc>
-                <a:spcPct val="90000"/>
-              </a:lnSpc>
-              <a:spcBef>
-                <a:spcPts val="500"/>
-              </a:spcBef>
-              <a:buFont typeface="Arial" panose="020B0604020202020204" pitchFamily="34" charset="0"/>
-              <a:buNone/>
-              <a:defRPr sz="2000" kern="1200">
-                <a:solidFill>
-                  <a:schemeClr val="tx1"/>
-                </a:solidFill>
-                <a:latin typeface="+mn-lt"/>
-                <a:ea typeface="+mn-ea"/>
-                <a:cs typeface="+mn-cs"/>
-              </a:defRPr>
-            </a:lvl2pPr>
-            <a:lvl3pPr marL="914400" indent="0" algn="ctr" defTabSz="914400" rtl="0" eaLnBrk="1" latinLnBrk="0" hangingPunct="1">
-              <a:lnSpc>
-                <a:spcPct val="90000"/>
-              </a:lnSpc>
-              <a:spcBef>
-                <a:spcPts val="500"/>
-              </a:spcBef>
-              <a:buFont typeface="Arial" panose="020B0604020202020204" pitchFamily="34" charset="0"/>
-              <a:buNone/>
-              <a:defRPr sz="1800" kern="1200">
-                <a:solidFill>
-                  <a:schemeClr val="tx1"/>
-                </a:solidFill>
-                <a:latin typeface="+mn-lt"/>
-                <a:ea typeface="+mn-ea"/>
-                <a:cs typeface="+mn-cs"/>
-              </a:defRPr>
-            </a:lvl3pPr>
-            <a:lvl4pPr marL="1371600" indent="0" algn="ctr" defTabSz="914400" rtl="0" eaLnBrk="1" latinLnBrk="0" hangingPunct="1">
-              <a:lnSpc>
-                <a:spcPct val="90000"/>
-              </a:lnSpc>
-              <a:spcBef>
-                <a:spcPts val="500"/>
-              </a:spcBef>
-              <a:buFont typeface="Arial" panose="020B0604020202020204" pitchFamily="34" charset="0"/>
-              <a:buNone/>
-              <a:defRPr sz="1600" kern="1200">
-                <a:solidFill>
-                  <a:schemeClr val="tx1"/>
-                </a:solidFill>
-                <a:latin typeface="+mn-lt"/>
-                <a:ea typeface="+mn-ea"/>
-                <a:cs typeface="+mn-cs"/>
-              </a:defRPr>
-            </a:lvl4pPr>
-            <a:lvl5pPr marL="1828800" indent="0" algn="ctr" defTabSz="914400" rtl="0" eaLnBrk="1" latinLnBrk="0" hangingPunct="1">
-              <a:lnSpc>
-                <a:spcPct val="90000"/>
-              </a:lnSpc>
-              <a:spcBef>
-                <a:spcPts val="500"/>
-              </a:spcBef>
-              <a:buFont typeface="Arial" panose="020B0604020202020204" pitchFamily="34" charset="0"/>
-              <a:buNone/>
-              <a:defRPr sz="1600" kern="1200">
-                <a:solidFill>
-                  <a:schemeClr val="tx1"/>
-                </a:solidFill>
-                <a:latin typeface="+mn-lt"/>
-                <a:ea typeface="+mn-ea"/>
-                <a:cs typeface="+mn-cs"/>
-              </a:defRPr>
-            </a:lvl5pPr>
-            <a:lvl6pPr marL="2286000" indent="0" algn="ctr" defTabSz="914400" rtl="0" eaLnBrk="1" latinLnBrk="0" hangingPunct="1">
-              <a:lnSpc>
-                <a:spcPct val="90000"/>
-              </a:lnSpc>
-              <a:spcBef>
-                <a:spcPts val="500"/>
-              </a:spcBef>
-              <a:buFont typeface="Arial" panose="020B0604020202020204" pitchFamily="34" charset="0"/>
-              <a:buNone/>
-              <a:defRPr sz="1600" kern="1200">
-                <a:solidFill>
-                  <a:schemeClr val="tx1"/>
-                </a:solidFill>
-                <a:latin typeface="+mn-lt"/>
-                <a:ea typeface="+mn-ea"/>
-                <a:cs typeface="+mn-cs"/>
-              </a:defRPr>
-            </a:lvl6pPr>
-            <a:lvl7pPr marL="2743200" indent="0" algn="ctr" defTabSz="914400" rtl="0" eaLnBrk="1" latinLnBrk="0" hangingPunct="1">
-              <a:lnSpc>
-                <a:spcPct val="90000"/>
-              </a:lnSpc>
-              <a:spcBef>
-                <a:spcPts val="500"/>
-              </a:spcBef>
-              <a:buFont typeface="Arial" panose="020B0604020202020204" pitchFamily="34" charset="0"/>
-              <a:buNone/>
-              <a:defRPr sz="1600" kern="1200">
-                <a:solidFill>
-                  <a:schemeClr val="tx1"/>
-                </a:solidFill>
-                <a:latin typeface="+mn-lt"/>
-                <a:ea typeface="+mn-ea"/>
-                <a:cs typeface="+mn-cs"/>
-              </a:defRPr>
-            </a:lvl7pPr>
-            <a:lvl8pPr marL="3200400" indent="0" algn="ctr" defTabSz="914400" rtl="0" eaLnBrk="1" latinLnBrk="0" hangingPunct="1">
-              <a:lnSpc>
-                <a:spcPct val="90000"/>
-              </a:lnSpc>
-              <a:spcBef>
-                <a:spcPts val="500"/>
-              </a:spcBef>
-              <a:buFont typeface="Arial" panose="020B0604020202020204" pitchFamily="34" charset="0"/>
-              <a:buNone/>
-              <a:defRPr sz="1600" kern="1200">
-                <a:solidFill>
-                  <a:schemeClr val="tx1"/>
-                </a:solidFill>
-                <a:latin typeface="+mn-lt"/>
-                <a:ea typeface="+mn-ea"/>
-                <a:cs typeface="+mn-cs"/>
-              </a:defRPr>
-            </a:lvl8pPr>
-            <a:lvl9pPr marL="3657600" indent="0" algn="ctr" defTabSz="914400" rtl="0" eaLnBrk="1" latinLnBrk="0" hangingPunct="1">
-              <a:lnSpc>
-                <a:spcPct val="90000"/>
-              </a:lnSpc>
-              <a:spcBef>
-                <a:spcPts val="500"/>
-              </a:spcBef>
-              <a:buFont typeface="Arial" panose="020B0604020202020204" pitchFamily="34" charset="0"/>
-              <a:buNone/>
-              <a:defRPr sz="1600" kern="1200">
-                <a:solidFill>
-                  <a:schemeClr val="tx1"/>
-                </a:solidFill>
-                <a:latin typeface="+mn-lt"/>
-                <a:ea typeface="+mn-ea"/>
-                <a:cs typeface="+mn-cs"/>
-              </a:defRPr>
-            </a:lvl9pPr>
-          </a:lstStyle>
-          <a:p>
-            <a:r>
-              <a:rPr lang="pt-BR" dirty="0"/>
-              <a:t>A página contém:</a:t>
-            </a:r>
-          </a:p>
-          <a:p>
-            <a:endParaRPr lang="pt-BR" dirty="0"/>
-          </a:p>
-          <a:p>
-            <a:pPr marL="342900" indent="-342900" algn="just">
-              <a:buFont typeface="Arial" panose="020B0604020202020204" pitchFamily="34" charset="0"/>
-              <a:buChar char="•"/>
-            </a:pPr>
-            <a:r>
-              <a:rPr lang="pt-BR" dirty="0"/>
-              <a:t>Um enquadramento com cada receita disponível, e uma breve descrição dela;</a:t>
-            </a:r>
-          </a:p>
-          <a:p>
-            <a:pPr marL="342900" indent="-342900" algn="just">
-              <a:buFont typeface="Arial" panose="020B0604020202020204" pitchFamily="34" charset="0"/>
-              <a:buChar char="•"/>
-            </a:pPr>
-            <a:r>
-              <a:rPr lang="pt-BR" dirty="0"/>
-              <a:t>Um filtro onde você poderá escolher quais tipos de restrições alimentares você quer ou não na receita;</a:t>
-            </a:r>
-          </a:p>
-          <a:p>
-            <a:pPr marL="342900" indent="-342900" algn="just">
-              <a:buFont typeface="Arial" panose="020B0604020202020204" pitchFamily="34" charset="0"/>
-              <a:buChar char="•"/>
-            </a:pPr>
-            <a:r>
-              <a:rPr lang="pt-BR" dirty="0"/>
-              <a:t>Outro filtro de tempo de preparo das receitas.</a:t>
-            </a:r>
-          </a:p>
-          <a:p>
-            <a:pPr marL="342900" indent="-342900">
-              <a:buFont typeface="Arial" panose="020B0604020202020204" pitchFamily="34" charset="0"/>
-              <a:buChar char="•"/>
-            </a:pPr>
-            <a:endParaRPr lang="pt-BR" dirty="0"/>
-          </a:p>
-        </p:txBody>
-      </p:sp>
-      <p:sp>
-        <p:nvSpPr>
-          <p:cNvPr id="8" name="CaixaDeTexto 7">
-            <a:extLst>
-              <a:ext uri="{FF2B5EF4-FFF2-40B4-BE49-F238E27FC236}">
-                <a16:creationId xmlns:a16="http://schemas.microsoft.com/office/drawing/2014/main" id="{0F5762D7-8A84-46C5-AFD6-FEB787004BEE}"/>
-              </a:ext>
-            </a:extLst>
-          </p:cNvPr>
-          <p:cNvSpPr txBox="1"/>
-          <p:nvPr/>
-        </p:nvSpPr>
-        <p:spPr>
-          <a:xfrm>
-            <a:off x="8549121" y="5560836"/>
-            <a:ext cx="1923347" cy="369332"/>
-          </a:xfrm>
-          <a:prstGeom prst="rect">
-            <a:avLst/>
-          </a:prstGeom>
-          <a:noFill/>
-        </p:spPr>
-        <p:txBody>
-          <a:bodyPr wrap="none" rtlCol="0">
-            <a:spAutoFit/>
-          </a:bodyPr>
-          <a:lstStyle/>
-          <a:p>
-            <a:r>
-              <a:rPr lang="pt-BR" dirty="0"/>
-              <a:t>Página de Receitas</a:t>
-            </a:r>
-          </a:p>
-        </p:txBody>
-      </p:sp>
-      <p:pic>
-        <p:nvPicPr>
-          <p:cNvPr id="3" name="Imagem 2">
-            <a:extLst>
-              <a:ext uri="{FF2B5EF4-FFF2-40B4-BE49-F238E27FC236}">
-                <a16:creationId xmlns:a16="http://schemas.microsoft.com/office/drawing/2014/main" id="{6CF2C87D-BE8F-4C71-A2F6-32BD53263D58}"/>
-              </a:ext>
-            </a:extLst>
-          </p:cNvPr>
-          <p:cNvPicPr>
-            <a:picLocks noChangeAspect="1"/>
-          </p:cNvPicPr>
-          <p:nvPr/>
-        </p:nvPicPr>
-        <p:blipFill>
-          <a:blip r:embed="rId3"/>
-          <a:stretch>
-            <a:fillRect/>
-          </a:stretch>
-        </p:blipFill>
-        <p:spPr>
-          <a:xfrm>
-            <a:off x="6854960" y="1983429"/>
-            <a:ext cx="5021525" cy="3511555"/>
-          </a:xfrm>
-          <a:prstGeom prst="roundRect">
-            <a:avLst>
-              <a:gd name="adj" fmla="val 4167"/>
-            </a:avLst>
-          </a:prstGeom>
-          <a:solidFill>
-            <a:srgbClr val="FFFFFF"/>
-          </a:solidFill>
-          <a:ln w="76200" cap="sq">
-            <a:solidFill>
-              <a:srgbClr val="EAEAEA"/>
-            </a:solidFill>
-            <a:miter lim="800000"/>
-          </a:ln>
-          <a:effectLst>
-            <a:reflection blurRad="12700" stA="33000" endPos="28000" dist="5000" dir="5400000" sy="-100000" algn="bl" rotWithShape="0"/>
-          </a:effectLst>
-          <a:scene3d>
-            <a:camera prst="orthographicFront"/>
-            <a:lightRig rig="threePt" dir="t">
-              <a:rot lat="0" lon="0" rev="2700000"/>
-            </a:lightRig>
-          </a:scene3d>
-          <a:sp3d contourW="6350">
-            <a:bevelT h="38100"/>
-            <a:contourClr>
-              <a:srgbClr val="C0C0C0"/>
-            </a:contourClr>
-          </a:sp3d>
-        </p:spPr>
-      </p:pic>
-      <p:sp>
-        <p:nvSpPr>
-          <p:cNvPr id="9" name="Título 1">
-            <a:extLst>
-              <a:ext uri="{FF2B5EF4-FFF2-40B4-BE49-F238E27FC236}">
-                <a16:creationId xmlns:a16="http://schemas.microsoft.com/office/drawing/2014/main" id="{2BE8D5F0-E59F-4A73-B2AD-F8D9EFD6D092}"/>
-              </a:ext>
-            </a:extLst>
-          </p:cNvPr>
-          <p:cNvSpPr txBox="1">
-            <a:spLocks/>
-          </p:cNvSpPr>
-          <p:nvPr/>
-        </p:nvSpPr>
-        <p:spPr>
-          <a:xfrm>
-            <a:off x="1156501" y="1170830"/>
-            <a:ext cx="3663149" cy="581770"/>
-          </a:xfrm>
-          <a:prstGeom prst="rect">
-            <a:avLst/>
-          </a:prstGeom>
-        </p:spPr>
-        <p:txBody>
-          <a:bodyPr vert="horz" lIns="91440" tIns="45720" rIns="91440" bIns="45720" rtlCol="0" anchor="b">
-            <a:normAutofit fontScale="60000" lnSpcReduction="20000"/>
-          </a:bodyPr>
-          <a:lstStyle>
-            <a:lvl1pPr algn="ctr" defTabSz="914400" rtl="0" eaLnBrk="1" latinLnBrk="0" hangingPunct="1">
+            <a:lvl1pPr algn="l" defTabSz="914400" rtl="0" eaLnBrk="1" latinLnBrk="0" hangingPunct="1">
               <a:lnSpc>
                 <a:spcPct val="90000"/>
               </a:lnSpc>
@@ -6097,7 +5542,7 @@
                 <a:spcPct val="0"/>
               </a:spcBef>
               <a:buNone/>
-              <a:defRPr sz="6000" kern="1200">
+              <a:defRPr sz="4400" kern="1200">
                 <a:solidFill>
                   <a:schemeClr val="tx1"/>
                 </a:solidFill>
@@ -6108,9 +5553,10 @@
             </a:lvl1pPr>
           </a:lstStyle>
           <a:p>
+            <a:pPr algn="ctr"/>
             <a:r>
               <a:rPr lang="pt-BR" dirty="0"/>
-              <a:t>Página de Receitas</a:t>
+              <a:t>Equipe</a:t>
             </a:r>
           </a:p>
         </p:txBody>
@@ -6118,512 +5564,7 @@
     </p:spTree>
     <p:extLst>
       <p:ext uri="{BB962C8B-B14F-4D97-AF65-F5344CB8AC3E}">
-        <p14:creationId xmlns:p14="http://schemas.microsoft.com/office/powerpoint/2010/main" val="3505452593"/>
-      </p:ext>
-    </p:extLst>
-  </p:cSld>
-  <p:clrMapOvr>
-    <a:masterClrMapping/>
-  </p:clrMapOvr>
-</p:sld>
-</file>
-
-<file path=ppt/slides/slide7.xml><?xml version="1.0" encoding="utf-8"?>
-<p:sld xmlns:a="http://schemas.openxmlformats.org/drawingml/2006/main" xmlns:r="http://schemas.openxmlformats.org/officeDocument/2006/relationships" xmlns:p="http://schemas.openxmlformats.org/presentationml/2006/main">
-  <p:cSld>
-    <p:spTree>
-      <p:nvGrpSpPr>
-        <p:cNvPr id="1" name=""/>
-        <p:cNvGrpSpPr/>
-        <p:nvPr/>
-      </p:nvGrpSpPr>
-      <p:grpSpPr>
-        <a:xfrm>
-          <a:off x="0" y="0"/>
-          <a:ext cx="0" cy="0"/>
-          <a:chOff x="0" y="0"/>
-          <a:chExt cx="0" cy="0"/>
-        </a:xfrm>
-      </p:grpSpPr>
-      <p:pic>
-        <p:nvPicPr>
-          <p:cNvPr id="5" name="Imagem 4">
-            <a:extLst>
-              <a:ext uri="{FF2B5EF4-FFF2-40B4-BE49-F238E27FC236}">
-                <a16:creationId xmlns:a16="http://schemas.microsoft.com/office/drawing/2014/main" id="{F93384F6-29B4-42C7-B03F-868449AFEB2F}"/>
-              </a:ext>
-            </a:extLst>
-          </p:cNvPr>
-          <p:cNvPicPr>
-            <a:picLocks noChangeAspect="1"/>
-          </p:cNvPicPr>
-          <p:nvPr/>
-        </p:nvPicPr>
-        <p:blipFill>
-          <a:blip r:embed="rId2">
-            <a:extLst>
-              <a:ext uri="{28A0092B-C50C-407E-A947-70E740481C1C}">
-                <a14:useLocalDpi xmlns:a14="http://schemas.microsoft.com/office/drawing/2010/main" val="0"/>
-              </a:ext>
-            </a:extLst>
-          </a:blip>
-          <a:stretch>
-            <a:fillRect/>
-          </a:stretch>
-        </p:blipFill>
-        <p:spPr>
-          <a:xfrm>
-            <a:off x="0" y="0"/>
-            <a:ext cx="12192000" cy="6858000"/>
-          </a:xfrm>
-          <a:prstGeom prst="rect">
-            <a:avLst/>
-          </a:prstGeom>
-        </p:spPr>
-      </p:pic>
-      <p:sp>
-        <p:nvSpPr>
-          <p:cNvPr id="2" name="Título 1">
-            <a:extLst>
-              <a:ext uri="{FF2B5EF4-FFF2-40B4-BE49-F238E27FC236}">
-                <a16:creationId xmlns:a16="http://schemas.microsoft.com/office/drawing/2014/main" id="{5FAB9137-2FAA-474B-A604-48D8203C8499}"/>
-              </a:ext>
-            </a:extLst>
-          </p:cNvPr>
-          <p:cNvSpPr>
-            <a:spLocks noGrp="1"/>
-          </p:cNvSpPr>
-          <p:nvPr>
-            <p:ph type="ctrTitle"/>
-          </p:nvPr>
-        </p:nvSpPr>
-        <p:spPr>
-          <a:xfrm>
-            <a:off x="6871316" y="261816"/>
-            <a:ext cx="4758431" cy="1655762"/>
-          </a:xfrm>
-        </p:spPr>
-        <p:txBody>
-          <a:bodyPr>
-            <a:normAutofit fontScale="90000"/>
-          </a:bodyPr>
-          <a:lstStyle/>
-          <a:p>
-            <a:r>
-              <a:rPr lang="pt-BR" dirty="0"/>
-              <a:t>Funcionalidades do Site</a:t>
-            </a:r>
-          </a:p>
-        </p:txBody>
-      </p:sp>
-      <p:sp>
-        <p:nvSpPr>
-          <p:cNvPr id="6" name="Espaço Reservado para Conteúdo 2">
-            <a:extLst>
-              <a:ext uri="{FF2B5EF4-FFF2-40B4-BE49-F238E27FC236}">
-                <a16:creationId xmlns:a16="http://schemas.microsoft.com/office/drawing/2014/main" id="{62E0BB8F-68D2-4D4A-B5BC-35DDC9A941D0}"/>
-              </a:ext>
-            </a:extLst>
-          </p:cNvPr>
-          <p:cNvSpPr txBox="1">
-            <a:spLocks/>
-          </p:cNvSpPr>
-          <p:nvPr/>
-        </p:nvSpPr>
-        <p:spPr>
-          <a:xfrm>
-            <a:off x="417250" y="1917579"/>
-            <a:ext cx="4903435" cy="4651898"/>
-          </a:xfrm>
-          <a:prstGeom prst="rect">
-            <a:avLst/>
-          </a:prstGeom>
-        </p:spPr>
-        <p:txBody>
-          <a:bodyPr vert="horz" lIns="91440" tIns="45720" rIns="91440" bIns="45720" rtlCol="0">
-            <a:normAutofit fontScale="92500" lnSpcReduction="10000"/>
-          </a:bodyPr>
-          <a:lstStyle>
-            <a:lvl1pPr marL="0" indent="0" algn="ctr" defTabSz="914400" rtl="0" eaLnBrk="1" latinLnBrk="0" hangingPunct="1">
-              <a:lnSpc>
-                <a:spcPct val="90000"/>
-              </a:lnSpc>
-              <a:spcBef>
-                <a:spcPts val="1000"/>
-              </a:spcBef>
-              <a:buFont typeface="Arial" panose="020B0604020202020204" pitchFamily="34" charset="0"/>
-              <a:buNone/>
-              <a:defRPr sz="2400" kern="1200">
-                <a:solidFill>
-                  <a:schemeClr val="tx1"/>
-                </a:solidFill>
-                <a:latin typeface="+mn-lt"/>
-                <a:ea typeface="+mn-ea"/>
-                <a:cs typeface="+mn-cs"/>
-              </a:defRPr>
-            </a:lvl1pPr>
-            <a:lvl2pPr marL="457200" indent="0" algn="ctr" defTabSz="914400" rtl="0" eaLnBrk="1" latinLnBrk="0" hangingPunct="1">
-              <a:lnSpc>
-                <a:spcPct val="90000"/>
-              </a:lnSpc>
-              <a:spcBef>
-                <a:spcPts val="500"/>
-              </a:spcBef>
-              <a:buFont typeface="Arial" panose="020B0604020202020204" pitchFamily="34" charset="0"/>
-              <a:buNone/>
-              <a:defRPr sz="2000" kern="1200">
-                <a:solidFill>
-                  <a:schemeClr val="tx1"/>
-                </a:solidFill>
-                <a:latin typeface="+mn-lt"/>
-                <a:ea typeface="+mn-ea"/>
-                <a:cs typeface="+mn-cs"/>
-              </a:defRPr>
-            </a:lvl2pPr>
-            <a:lvl3pPr marL="914400" indent="0" algn="ctr" defTabSz="914400" rtl="0" eaLnBrk="1" latinLnBrk="0" hangingPunct="1">
-              <a:lnSpc>
-                <a:spcPct val="90000"/>
-              </a:lnSpc>
-              <a:spcBef>
-                <a:spcPts val="500"/>
-              </a:spcBef>
-              <a:buFont typeface="Arial" panose="020B0604020202020204" pitchFamily="34" charset="0"/>
-              <a:buNone/>
-              <a:defRPr sz="1800" kern="1200">
-                <a:solidFill>
-                  <a:schemeClr val="tx1"/>
-                </a:solidFill>
-                <a:latin typeface="+mn-lt"/>
-                <a:ea typeface="+mn-ea"/>
-                <a:cs typeface="+mn-cs"/>
-              </a:defRPr>
-            </a:lvl3pPr>
-            <a:lvl4pPr marL="1371600" indent="0" algn="ctr" defTabSz="914400" rtl="0" eaLnBrk="1" latinLnBrk="0" hangingPunct="1">
-              <a:lnSpc>
-                <a:spcPct val="90000"/>
-              </a:lnSpc>
-              <a:spcBef>
-                <a:spcPts val="500"/>
-              </a:spcBef>
-              <a:buFont typeface="Arial" panose="020B0604020202020204" pitchFamily="34" charset="0"/>
-              <a:buNone/>
-              <a:defRPr sz="1600" kern="1200">
-                <a:solidFill>
-                  <a:schemeClr val="tx1"/>
-                </a:solidFill>
-                <a:latin typeface="+mn-lt"/>
-                <a:ea typeface="+mn-ea"/>
-                <a:cs typeface="+mn-cs"/>
-              </a:defRPr>
-            </a:lvl4pPr>
-            <a:lvl5pPr marL="1828800" indent="0" algn="ctr" defTabSz="914400" rtl="0" eaLnBrk="1" latinLnBrk="0" hangingPunct="1">
-              <a:lnSpc>
-                <a:spcPct val="90000"/>
-              </a:lnSpc>
-              <a:spcBef>
-                <a:spcPts val="500"/>
-              </a:spcBef>
-              <a:buFont typeface="Arial" panose="020B0604020202020204" pitchFamily="34" charset="0"/>
-              <a:buNone/>
-              <a:defRPr sz="1600" kern="1200">
-                <a:solidFill>
-                  <a:schemeClr val="tx1"/>
-                </a:solidFill>
-                <a:latin typeface="+mn-lt"/>
-                <a:ea typeface="+mn-ea"/>
-                <a:cs typeface="+mn-cs"/>
-              </a:defRPr>
-            </a:lvl5pPr>
-            <a:lvl6pPr marL="2286000" indent="0" algn="ctr" defTabSz="914400" rtl="0" eaLnBrk="1" latinLnBrk="0" hangingPunct="1">
-              <a:lnSpc>
-                <a:spcPct val="90000"/>
-              </a:lnSpc>
-              <a:spcBef>
-                <a:spcPts val="500"/>
-              </a:spcBef>
-              <a:buFont typeface="Arial" panose="020B0604020202020204" pitchFamily="34" charset="0"/>
-              <a:buNone/>
-              <a:defRPr sz="1600" kern="1200">
-                <a:solidFill>
-                  <a:schemeClr val="tx1"/>
-                </a:solidFill>
-                <a:latin typeface="+mn-lt"/>
-                <a:ea typeface="+mn-ea"/>
-                <a:cs typeface="+mn-cs"/>
-              </a:defRPr>
-            </a:lvl6pPr>
-            <a:lvl7pPr marL="2743200" indent="0" algn="ctr" defTabSz="914400" rtl="0" eaLnBrk="1" latinLnBrk="0" hangingPunct="1">
-              <a:lnSpc>
-                <a:spcPct val="90000"/>
-              </a:lnSpc>
-              <a:spcBef>
-                <a:spcPts val="500"/>
-              </a:spcBef>
-              <a:buFont typeface="Arial" panose="020B0604020202020204" pitchFamily="34" charset="0"/>
-              <a:buNone/>
-              <a:defRPr sz="1600" kern="1200">
-                <a:solidFill>
-                  <a:schemeClr val="tx1"/>
-                </a:solidFill>
-                <a:latin typeface="+mn-lt"/>
-                <a:ea typeface="+mn-ea"/>
-                <a:cs typeface="+mn-cs"/>
-              </a:defRPr>
-            </a:lvl7pPr>
-            <a:lvl8pPr marL="3200400" indent="0" algn="ctr" defTabSz="914400" rtl="0" eaLnBrk="1" latinLnBrk="0" hangingPunct="1">
-              <a:lnSpc>
-                <a:spcPct val="90000"/>
-              </a:lnSpc>
-              <a:spcBef>
-                <a:spcPts val="500"/>
-              </a:spcBef>
-              <a:buFont typeface="Arial" panose="020B0604020202020204" pitchFamily="34" charset="0"/>
-              <a:buNone/>
-              <a:defRPr sz="1600" kern="1200">
-                <a:solidFill>
-                  <a:schemeClr val="tx1"/>
-                </a:solidFill>
-                <a:latin typeface="+mn-lt"/>
-                <a:ea typeface="+mn-ea"/>
-                <a:cs typeface="+mn-cs"/>
-              </a:defRPr>
-            </a:lvl8pPr>
-            <a:lvl9pPr marL="3657600" indent="0" algn="ctr" defTabSz="914400" rtl="0" eaLnBrk="1" latinLnBrk="0" hangingPunct="1">
-              <a:lnSpc>
-                <a:spcPct val="90000"/>
-              </a:lnSpc>
-              <a:spcBef>
-                <a:spcPts val="500"/>
-              </a:spcBef>
-              <a:buFont typeface="Arial" panose="020B0604020202020204" pitchFamily="34" charset="0"/>
-              <a:buNone/>
-              <a:defRPr sz="1600" kern="1200">
-                <a:solidFill>
-                  <a:schemeClr val="tx1"/>
-                </a:solidFill>
-                <a:latin typeface="+mn-lt"/>
-                <a:ea typeface="+mn-ea"/>
-                <a:cs typeface="+mn-cs"/>
-              </a:defRPr>
-            </a:lvl9pPr>
-          </a:lstStyle>
-          <a:p>
-            <a:r>
-              <a:rPr lang="pt-BR" dirty="0"/>
-              <a:t>A página contém:</a:t>
-            </a:r>
-          </a:p>
-          <a:p>
-            <a:endParaRPr lang="pt-BR" dirty="0"/>
-          </a:p>
-          <a:p>
-            <a:pPr marL="342900" indent="-342900" algn="just">
-              <a:buFont typeface="Arial" panose="020B0604020202020204" pitchFamily="34" charset="0"/>
-              <a:buChar char="•"/>
-            </a:pPr>
-            <a:r>
-              <a:rPr lang="pt-BR" dirty="0"/>
-              <a:t>Uma foto da receita;</a:t>
-            </a:r>
-          </a:p>
-          <a:p>
-            <a:pPr marL="342900" indent="-342900" algn="just">
-              <a:buFont typeface="Arial" panose="020B0604020202020204" pitchFamily="34" charset="0"/>
-              <a:buChar char="•"/>
-            </a:pPr>
-            <a:r>
-              <a:rPr lang="pt-BR" dirty="0"/>
-              <a:t>Um Título, uma breve descrição da receita, e os detalhes da receita;</a:t>
-            </a:r>
-          </a:p>
-          <a:p>
-            <a:pPr marL="342900" indent="-342900" algn="just">
-              <a:buFont typeface="Arial" panose="020B0604020202020204" pitchFamily="34" charset="0"/>
-              <a:buChar char="•"/>
-            </a:pPr>
-            <a:r>
-              <a:rPr lang="pt-BR" dirty="0"/>
-              <a:t>Uma lista com os ingredientes;</a:t>
-            </a:r>
-          </a:p>
-          <a:p>
-            <a:pPr marL="342900" indent="-342900" algn="just">
-              <a:buFont typeface="Arial" panose="020B0604020202020204" pitchFamily="34" charset="0"/>
-              <a:buChar char="•"/>
-            </a:pPr>
-            <a:r>
-              <a:rPr lang="pt-BR" dirty="0"/>
-              <a:t>A descrição completa do modo de preparo e algumas dicas;</a:t>
-            </a:r>
-          </a:p>
-          <a:p>
-            <a:pPr marL="342900" indent="-342900" algn="just">
-              <a:buFont typeface="Arial" panose="020B0604020202020204" pitchFamily="34" charset="0"/>
-              <a:buChar char="•"/>
-            </a:pPr>
-            <a:r>
-              <a:rPr lang="pt-BR" dirty="0"/>
-              <a:t>Uma barra lateral com o link para outras receitas, e abaixo um botão que direciona para a página com todas as receitas, e um link onde você pode contribuir enviando novas receitas.</a:t>
-            </a:r>
-          </a:p>
-          <a:p>
-            <a:pPr marL="342900" indent="-342900">
-              <a:buFont typeface="Arial" panose="020B0604020202020204" pitchFamily="34" charset="0"/>
-              <a:buChar char="•"/>
-            </a:pPr>
-            <a:endParaRPr lang="pt-BR" dirty="0"/>
-          </a:p>
-        </p:txBody>
-      </p:sp>
-      <p:sp>
-        <p:nvSpPr>
-          <p:cNvPr id="8" name="CaixaDeTexto 7">
-            <a:extLst>
-              <a:ext uri="{FF2B5EF4-FFF2-40B4-BE49-F238E27FC236}">
-                <a16:creationId xmlns:a16="http://schemas.microsoft.com/office/drawing/2014/main" id="{0F5762D7-8A84-46C5-AFD6-FEB787004BEE}"/>
-              </a:ext>
-            </a:extLst>
-          </p:cNvPr>
-          <p:cNvSpPr txBox="1"/>
-          <p:nvPr/>
-        </p:nvSpPr>
-        <p:spPr>
-          <a:xfrm>
-            <a:off x="7811345" y="5620675"/>
-            <a:ext cx="3225630" cy="369332"/>
-          </a:xfrm>
-          <a:prstGeom prst="rect">
-            <a:avLst/>
-          </a:prstGeom>
-          <a:noFill/>
-        </p:spPr>
-        <p:txBody>
-          <a:bodyPr wrap="square" rtlCol="0">
-            <a:spAutoFit/>
-          </a:bodyPr>
-          <a:lstStyle/>
-          <a:p>
-            <a:r>
-              <a:rPr lang="pt-BR" dirty="0"/>
-              <a:t>Página de Receitas Completas</a:t>
-            </a:r>
-          </a:p>
-        </p:txBody>
-      </p:sp>
-      <p:sp>
-        <p:nvSpPr>
-          <p:cNvPr id="9" name="Título 1">
-            <a:extLst>
-              <a:ext uri="{FF2B5EF4-FFF2-40B4-BE49-F238E27FC236}">
-                <a16:creationId xmlns:a16="http://schemas.microsoft.com/office/drawing/2014/main" id="{2BE8D5F0-E59F-4A73-B2AD-F8D9EFD6D092}"/>
-              </a:ext>
-            </a:extLst>
-          </p:cNvPr>
-          <p:cNvSpPr txBox="1">
-            <a:spLocks/>
-          </p:cNvSpPr>
-          <p:nvPr/>
-        </p:nvSpPr>
-        <p:spPr>
-          <a:xfrm>
-            <a:off x="110741" y="1089697"/>
-            <a:ext cx="5516452" cy="581770"/>
-          </a:xfrm>
-          <a:prstGeom prst="rect">
-            <a:avLst/>
-          </a:prstGeom>
-        </p:spPr>
-        <p:txBody>
-          <a:bodyPr vert="horz" lIns="91440" tIns="45720" rIns="91440" bIns="45720" rtlCol="0" anchor="b">
-            <a:normAutofit fontScale="52500" lnSpcReduction="20000"/>
-          </a:bodyPr>
-          <a:lstStyle>
-            <a:lvl1pPr algn="ctr" defTabSz="914400" rtl="0" eaLnBrk="1" latinLnBrk="0" hangingPunct="1">
-              <a:lnSpc>
-                <a:spcPct val="90000"/>
-              </a:lnSpc>
-              <a:spcBef>
-                <a:spcPct val="0"/>
-              </a:spcBef>
-              <a:buNone/>
-              <a:defRPr sz="6000" kern="1200">
-                <a:solidFill>
-                  <a:schemeClr val="tx1"/>
-                </a:solidFill>
-                <a:latin typeface="+mj-lt"/>
-                <a:ea typeface="+mj-ea"/>
-                <a:cs typeface="+mj-cs"/>
-              </a:defRPr>
-            </a:lvl1pPr>
-          </a:lstStyle>
-          <a:p>
-            <a:r>
-              <a:rPr lang="pt-BR" dirty="0"/>
-              <a:t>Página de Receitas Completas</a:t>
-            </a:r>
-          </a:p>
-        </p:txBody>
-      </p:sp>
-      <p:pic>
-        <p:nvPicPr>
-          <p:cNvPr id="4" name="Imagem 3">
-            <a:extLst>
-              <a:ext uri="{FF2B5EF4-FFF2-40B4-BE49-F238E27FC236}">
-                <a16:creationId xmlns:a16="http://schemas.microsoft.com/office/drawing/2014/main" id="{E59E1DCB-0748-40EB-B0E0-2E88DA178E4B}"/>
-              </a:ext>
-            </a:extLst>
-          </p:cNvPr>
-          <p:cNvPicPr>
-            <a:picLocks noChangeAspect="1"/>
-          </p:cNvPicPr>
-          <p:nvPr/>
-        </p:nvPicPr>
-        <p:blipFill>
-          <a:blip r:embed="rId3"/>
-          <a:stretch>
-            <a:fillRect/>
-          </a:stretch>
-        </p:blipFill>
-        <p:spPr>
-          <a:xfrm>
-            <a:off x="7020210" y="1914890"/>
-            <a:ext cx="4807900" cy="3648635"/>
-          </a:xfrm>
-          <a:prstGeom prst="roundRect">
-            <a:avLst>
-              <a:gd name="adj" fmla="val 4167"/>
-            </a:avLst>
-          </a:prstGeom>
-          <a:solidFill>
-            <a:srgbClr val="FFFFFF"/>
-          </a:solidFill>
-          <a:ln w="76200" cap="sq">
-            <a:solidFill>
-              <a:srgbClr val="EAEAEA"/>
-            </a:solidFill>
-            <a:miter lim="800000"/>
-          </a:ln>
-          <a:effectLst>
-            <a:reflection blurRad="12700" stA="33000" endPos="28000" dist="5000" dir="5400000" sy="-100000" algn="bl" rotWithShape="0"/>
-          </a:effectLst>
-          <a:scene3d>
-            <a:camera prst="orthographicFront"/>
-            <a:lightRig rig="threePt" dir="t">
-              <a:rot lat="0" lon="0" rev="2700000"/>
-            </a:lightRig>
-          </a:scene3d>
-          <a:sp3d contourW="6350">
-            <a:bevelT h="38100"/>
-            <a:contourClr>
-              <a:srgbClr val="C0C0C0"/>
-            </a:contourClr>
-          </a:sp3d>
-        </p:spPr>
-      </p:pic>
-    </p:spTree>
-    <p:extLst>
-      <p:ext uri="{BB962C8B-B14F-4D97-AF65-F5344CB8AC3E}">
-        <p14:creationId xmlns:p14="http://schemas.microsoft.com/office/powerpoint/2010/main" val="1249199045"/>
+        <p14:creationId xmlns:p14="http://schemas.microsoft.com/office/powerpoint/2010/main" val="2630796257"/>
       </p:ext>
     </p:extLst>
   </p:cSld>
